--- a/RoiPainter4D/codingstyle.pptx
+++ b/RoiPainter4D/codingstyle.pptx
@@ -251,7 +251,7 @@
           <a:p>
             <a:fld id="{C3224755-5E74-4887-93C9-E8DF57CC241B}" type="datetimeFigureOut">
               <a:rPr kumimoji="1" lang="ja-JP" altLang="en-US" smtClean="0"/>
-              <a:t>2019/2/27</a:t>
+              <a:t>2022/5/17</a:t>
             </a:fld>
             <a:endParaRPr kumimoji="1" lang="ja-JP" altLang="en-US"/>
           </a:p>
@@ -453,7 +453,7 @@
           <a:p>
             <a:fld id="{C3224755-5E74-4887-93C9-E8DF57CC241B}" type="datetimeFigureOut">
               <a:rPr kumimoji="1" lang="ja-JP" altLang="en-US" smtClean="0"/>
-              <a:t>2019/2/27</a:t>
+              <a:t>2022/5/17</a:t>
             </a:fld>
             <a:endParaRPr kumimoji="1" lang="ja-JP" altLang="en-US"/>
           </a:p>
@@ -665,7 +665,7 @@
           <a:p>
             <a:fld id="{C3224755-5E74-4887-93C9-E8DF57CC241B}" type="datetimeFigureOut">
               <a:rPr kumimoji="1" lang="ja-JP" altLang="en-US" smtClean="0"/>
-              <a:t>2019/2/27</a:t>
+              <a:t>2022/5/17</a:t>
             </a:fld>
             <a:endParaRPr kumimoji="1" lang="ja-JP" altLang="en-US"/>
           </a:p>
@@ -867,7 +867,7 @@
           <a:p>
             <a:fld id="{C3224755-5E74-4887-93C9-E8DF57CC241B}" type="datetimeFigureOut">
               <a:rPr kumimoji="1" lang="ja-JP" altLang="en-US" smtClean="0"/>
-              <a:t>2019/2/27</a:t>
+              <a:t>2022/5/17</a:t>
             </a:fld>
             <a:endParaRPr kumimoji="1" lang="ja-JP" altLang="en-US"/>
           </a:p>
@@ -1113,7 +1113,7 @@
           <a:p>
             <a:fld id="{C3224755-5E74-4887-93C9-E8DF57CC241B}" type="datetimeFigureOut">
               <a:rPr kumimoji="1" lang="ja-JP" altLang="en-US" smtClean="0"/>
-              <a:t>2019/2/27</a:t>
+              <a:t>2022/5/17</a:t>
             </a:fld>
             <a:endParaRPr kumimoji="1" lang="ja-JP" altLang="en-US"/>
           </a:p>
@@ -1409,7 +1409,7 @@
           <a:p>
             <a:fld id="{C3224755-5E74-4887-93C9-E8DF57CC241B}" type="datetimeFigureOut">
               <a:rPr kumimoji="1" lang="ja-JP" altLang="en-US" smtClean="0"/>
-              <a:t>2019/2/27</a:t>
+              <a:t>2022/5/17</a:t>
             </a:fld>
             <a:endParaRPr kumimoji="1" lang="ja-JP" altLang="en-US"/>
           </a:p>
@@ -1840,7 +1840,7 @@
           <a:p>
             <a:fld id="{C3224755-5E74-4887-93C9-E8DF57CC241B}" type="datetimeFigureOut">
               <a:rPr kumimoji="1" lang="ja-JP" altLang="en-US" smtClean="0"/>
-              <a:t>2019/2/27</a:t>
+              <a:t>2022/5/17</a:t>
             </a:fld>
             <a:endParaRPr kumimoji="1" lang="ja-JP" altLang="en-US"/>
           </a:p>
@@ -1958,7 +1958,7 @@
           <a:p>
             <a:fld id="{C3224755-5E74-4887-93C9-E8DF57CC241B}" type="datetimeFigureOut">
               <a:rPr kumimoji="1" lang="ja-JP" altLang="en-US" smtClean="0"/>
-              <a:t>2019/2/27</a:t>
+              <a:t>2022/5/17</a:t>
             </a:fld>
             <a:endParaRPr kumimoji="1" lang="ja-JP" altLang="en-US"/>
           </a:p>
@@ -2053,7 +2053,7 @@
           <a:p>
             <a:fld id="{C3224755-5E74-4887-93C9-E8DF57CC241B}" type="datetimeFigureOut">
               <a:rPr kumimoji="1" lang="ja-JP" altLang="en-US" smtClean="0"/>
-              <a:t>2019/2/27</a:t>
+              <a:t>2022/5/17</a:t>
             </a:fld>
             <a:endParaRPr kumimoji="1" lang="ja-JP" altLang="en-US"/>
           </a:p>
@@ -2362,7 +2362,7 @@
           <a:p>
             <a:fld id="{C3224755-5E74-4887-93C9-E8DF57CC241B}" type="datetimeFigureOut">
               <a:rPr kumimoji="1" lang="ja-JP" altLang="en-US" smtClean="0"/>
-              <a:t>2019/2/27</a:t>
+              <a:t>2022/5/17</a:t>
             </a:fld>
             <a:endParaRPr kumimoji="1" lang="ja-JP" altLang="en-US"/>
           </a:p>
@@ -2615,7 +2615,7 @@
           <a:p>
             <a:fld id="{C3224755-5E74-4887-93C9-E8DF57CC241B}" type="datetimeFigureOut">
               <a:rPr kumimoji="1" lang="ja-JP" altLang="en-US" smtClean="0"/>
-              <a:t>2019/2/27</a:t>
+              <a:t>2022/5/17</a:t>
             </a:fld>
             <a:endParaRPr kumimoji="1" lang="ja-JP" altLang="en-US"/>
           </a:p>
@@ -2860,7 +2860,7 @@
           <a:p>
             <a:fld id="{C3224755-5E74-4887-93C9-E8DF57CC241B}" type="datetimeFigureOut">
               <a:rPr kumimoji="1" lang="ja-JP" altLang="en-US" smtClean="0"/>
-              <a:t>2019/2/27</a:t>
+              <a:t>2022/5/17</a:t>
             </a:fld>
             <a:endParaRPr kumimoji="1" lang="ja-JP" altLang="en-US"/>
           </a:p>
@@ -3286,7 +3286,23 @@
                 <a:ea typeface="メイリオ" panose="020B0604030504040204" pitchFamily="50" charset="-128"/>
                 <a:cs typeface="メイリオ" panose="020B0604030504040204" pitchFamily="50" charset="-128"/>
               </a:rPr>
-              <a:t>利用するスタイルガイド</a:t>
+              <a:t>利用</a:t>
+            </a:r>
+            <a:r>
+              <a:rPr kumimoji="1" lang="ja-JP" altLang="en-US" smtClean="0">
+                <a:latin typeface="メイリオ" panose="020B0604030504040204" pitchFamily="50" charset="-128"/>
+                <a:ea typeface="メイリオ" panose="020B0604030504040204" pitchFamily="50" charset="-128"/>
+                <a:cs typeface="メイリオ" panose="020B0604030504040204" pitchFamily="50" charset="-128"/>
+              </a:rPr>
+              <a:t>する</a:t>
+            </a:r>
+            <a:r>
+              <a:rPr kumimoji="1" lang="ja-JP" altLang="en-US" smtClean="0">
+                <a:latin typeface="メイリオ" panose="020B0604030504040204" pitchFamily="50" charset="-128"/>
+                <a:ea typeface="メイリオ" panose="020B0604030504040204" pitchFamily="50" charset="-128"/>
+                <a:cs typeface="メイリオ" panose="020B0604030504040204" pitchFamily="50" charset="-128"/>
+              </a:rPr>
+              <a:t>スタイル</a:t>
             </a:r>
             <a:endParaRPr kumimoji="1" lang="ja-JP" altLang="en-US" dirty="0">
               <a:latin typeface="メイリオ" panose="020B0604030504040204" pitchFamily="50" charset="-128"/>
@@ -3460,15 +3476,7 @@
                 <a:ea typeface="メイリオ" panose="020B0604030504040204" pitchFamily="50" charset="-128"/>
                 <a:cs typeface="Consolas" panose="020B0609020204030204" pitchFamily="49" charset="0"/>
               </a:rPr>
-              <a:t>関</a:t>
-            </a:r>
-            <a:r>
-              <a:rPr lang="ja-JP" altLang="en-US" dirty="0" smtClean="0">
-                <a:latin typeface="Consolas" panose="020B0609020204030204" pitchFamily="49" charset="0"/>
-                <a:ea typeface="メイリオ" panose="020B0604030504040204" pitchFamily="50" charset="-128"/>
-                <a:cs typeface="Consolas" panose="020B0609020204030204" pitchFamily="49" charset="0"/>
-              </a:rPr>
-              <a:t>数名</a:t>
+              <a:t>関数名</a:t>
             </a:r>
             <a:endParaRPr lang="en-US" altLang="ja-JP" dirty="0" smtClean="0">
               <a:latin typeface="Consolas" panose="020B0609020204030204" pitchFamily="49" charset="0"/>
@@ -3560,7 +3568,15 @@
                 <a:ea typeface="メイリオ" panose="020B0604030504040204" pitchFamily="50" charset="-128"/>
                 <a:cs typeface="Consolas" panose="020B0609020204030204" pitchFamily="49" charset="0"/>
               </a:rPr>
-              <a:t>変数名（メンバ変数</a:t>
+              <a:t>変数名（メンバ変数は頭に </a:t>
+            </a:r>
+            <a:r>
+              <a:rPr lang="en-US" altLang="ja-JP" dirty="0" smtClean="0">
+                <a:latin typeface="Consolas" panose="020B0609020204030204" pitchFamily="49" charset="0"/>
+                <a:ea typeface="メイリオ" panose="020B0604030504040204" pitchFamily="50" charset="-128"/>
+                <a:cs typeface="Consolas" panose="020B0609020204030204" pitchFamily="49" charset="0"/>
+              </a:rPr>
+              <a:t>m_ </a:t>
             </a:r>
             <a:r>
               <a:rPr lang="ja-JP" altLang="en-US" dirty="0" smtClean="0">
@@ -3568,31 +3584,7 @@
                 <a:ea typeface="メイリオ" panose="020B0604030504040204" pitchFamily="50" charset="-128"/>
                 <a:cs typeface="Consolas" panose="020B0609020204030204" pitchFamily="49" charset="0"/>
               </a:rPr>
-              <a:t>は頭に </a:t>
-            </a:r>
-            <a:r>
-              <a:rPr lang="en-US" altLang="ja-JP" dirty="0" smtClean="0">
-                <a:latin typeface="Consolas" panose="020B0609020204030204" pitchFamily="49" charset="0"/>
-                <a:ea typeface="メイリオ" panose="020B0604030504040204" pitchFamily="50" charset="-128"/>
-                <a:cs typeface="Consolas" panose="020B0609020204030204" pitchFamily="49" charset="0"/>
-              </a:rPr>
-              <a:t>m_ </a:t>
-            </a:r>
-            <a:r>
-              <a:rPr lang="ja-JP" altLang="en-US" dirty="0" smtClean="0">
-                <a:latin typeface="Consolas" panose="020B0609020204030204" pitchFamily="49" charset="0"/>
-                <a:ea typeface="メイリオ" panose="020B0604030504040204" pitchFamily="50" charset="-128"/>
-                <a:cs typeface="Consolas" panose="020B0609020204030204" pitchFamily="49" charset="0"/>
-              </a:rPr>
-              <a:t>を</a:t>
-            </a:r>
-            <a:r>
-              <a:rPr lang="ja-JP" altLang="en-US" dirty="0" smtClean="0">
-                <a:latin typeface="Consolas" panose="020B0609020204030204" pitchFamily="49" charset="0"/>
-                <a:ea typeface="メイリオ" panose="020B0604030504040204" pitchFamily="50" charset="-128"/>
-                <a:cs typeface="Consolas" panose="020B0609020204030204" pitchFamily="49" charset="0"/>
-              </a:rPr>
-              <a:t>つけ</a:t>
+              <a:t>をつけ</a:t>
             </a:r>
             <a:r>
               <a:rPr lang="ja-JP" altLang="en-US" dirty="0">
@@ -3960,7 +3952,18 @@
                 <a:ea typeface="メイリオ" panose="020B0604030504040204" pitchFamily="50" charset="-128"/>
                 <a:cs typeface="メイリオ" panose="020B0604030504040204" pitchFamily="50" charset="-128"/>
               </a:rPr>
-              <a:t> (Cross Section</a:t>
+              <a:t> (Cross Section)</a:t>
+            </a:r>
+          </a:p>
+          <a:p>
+            <a:pPr lvl="2"/>
+            <a:r>
+              <a:rPr kumimoji="1" lang="en-US" altLang="ja-JP" sz="1800" dirty="0" err="1" smtClean="0">
+                <a:latin typeface="メイリオ" panose="020B0604030504040204" pitchFamily="50" charset="-128"/>
+                <a:ea typeface="メイリオ" panose="020B0604030504040204" pitchFamily="50" charset="-128"/>
+                <a:cs typeface="メイリオ" panose="020B0604030504040204" pitchFamily="50" charset="-128"/>
+              </a:rPr>
+              <a:t>pos</a:t>
             </a:r>
             <a:r>
               <a:rPr kumimoji="1" lang="en-US" altLang="ja-JP" sz="1800" dirty="0" smtClean="0">
@@ -3968,42 +3971,7 @@
                 <a:ea typeface="メイリオ" panose="020B0604030504040204" pitchFamily="50" charset="-128"/>
                 <a:cs typeface="メイリオ" panose="020B0604030504040204" pitchFamily="50" charset="-128"/>
               </a:rPr>
-              <a:t>)</a:t>
-            </a:r>
-          </a:p>
-          <a:p>
-            <a:pPr lvl="2"/>
-            <a:r>
-              <a:rPr kumimoji="1" lang="en-US" altLang="ja-JP" sz="1800" dirty="0" err="1" smtClean="0">
-                <a:latin typeface="メイリオ" panose="020B0604030504040204" pitchFamily="50" charset="-128"/>
-                <a:ea typeface="メイリオ" panose="020B0604030504040204" pitchFamily="50" charset="-128"/>
-                <a:cs typeface="メイリオ" panose="020B0604030504040204" pitchFamily="50" charset="-128"/>
-              </a:rPr>
-              <a:t>pos</a:t>
-            </a:r>
-            <a:r>
-              <a:rPr kumimoji="1" lang="en-US" altLang="ja-JP" sz="1800" dirty="0" smtClean="0">
-                <a:latin typeface="メイリオ" panose="020B0604030504040204" pitchFamily="50" charset="-128"/>
-                <a:ea typeface="メイリオ" panose="020B0604030504040204" pitchFamily="50" charset="-128"/>
-                <a:cs typeface="メイリオ" panose="020B0604030504040204" pitchFamily="50" charset="-128"/>
-              </a:rPr>
-              <a:t> </a:t>
-            </a:r>
-            <a:r>
-              <a:rPr kumimoji="1" lang="en-US" altLang="ja-JP" sz="1800" dirty="0" smtClean="0">
-                <a:latin typeface="メイリオ" panose="020B0604030504040204" pitchFamily="50" charset="-128"/>
-                <a:ea typeface="メイリオ" panose="020B0604030504040204" pitchFamily="50" charset="-128"/>
-                <a:cs typeface="メイリオ" panose="020B0604030504040204" pitchFamily="50" charset="-128"/>
-              </a:rPr>
-              <a:t>(position</a:t>
-            </a:r>
-            <a:r>
-              <a:rPr kumimoji="1" lang="en-US" altLang="ja-JP" sz="1800" dirty="0" smtClean="0">
-                <a:latin typeface="メイリオ" panose="020B0604030504040204" pitchFamily="50" charset="-128"/>
-                <a:ea typeface="メイリオ" panose="020B0604030504040204" pitchFamily="50" charset="-128"/>
-                <a:cs typeface="メイリオ" panose="020B0604030504040204" pitchFamily="50" charset="-128"/>
-              </a:rPr>
-              <a:t>)</a:t>
+              <a:t> (position)</a:t>
             </a:r>
           </a:p>
           <a:p>
@@ -4039,15 +4007,7 @@
                 <a:ea typeface="メイリオ" panose="020B0604030504040204" pitchFamily="50" charset="-128"/>
                 <a:cs typeface="メイリオ" panose="020B0604030504040204" pitchFamily="50" charset="-128"/>
               </a:rPr>
-              <a:t>単語間に</a:t>
-            </a:r>
-            <a:r>
-              <a:rPr kumimoji="1" lang="ja-JP" altLang="en-US" sz="2400" dirty="0" smtClean="0">
-                <a:latin typeface="メイリオ" panose="020B0604030504040204" pitchFamily="50" charset="-128"/>
-                <a:ea typeface="メイリオ" panose="020B0604030504040204" pitchFamily="50" charset="-128"/>
-                <a:cs typeface="メイリオ" panose="020B0604030504040204" pitchFamily="50" charset="-128"/>
-              </a:rPr>
-              <a:t>は </a:t>
+              <a:t>単語間には </a:t>
             </a:r>
             <a:r>
               <a:rPr kumimoji="1" lang="en-US" altLang="ja-JP" sz="2400" dirty="0" smtClean="0">
